--- a/Recursos/slides/KeyboardAvoidingView.pptx
+++ b/Recursos/slides/KeyboardAvoidingView.pptx
@@ -9,6 +9,9 @@
     <p:sldId id="257" r:id="rId3"/>
     <p:sldId id="258" r:id="rId4"/>
     <p:sldId id="259" r:id="rId5"/>
+    <p:sldId id="260" r:id="rId6"/>
+    <p:sldId id="261" r:id="rId7"/>
+    <p:sldId id="262" r:id="rId8"/>
   </p:sldIdLst>
   <p:sldSz cx="12192000" cy="6858000"/>
   <p:notesSz cx="6858000" cy="9144000"/>
@@ -3907,7 +3910,15 @@
           <a:bodyPr/>
           <a:lstStyle/>
           <a:p>
-            <a:endParaRPr lang="pt-BR"/>
+            <a:r>
+              <a:rPr lang="pt-BR" dirty="0"/>
+              <a:t>Veja o projeto na pasta Exemplos/</a:t>
+            </a:r>
+            <a:r>
+              <a:rPr lang="pt-BR" dirty="0" err="1"/>
+              <a:t>keyboardAvoidingView</a:t>
+            </a:r>
+            <a:endParaRPr lang="pt-BR" dirty="0"/>
           </a:p>
         </p:txBody>
       </p:sp>
@@ -3915,6 +3926,849 @@
     <p:extLst>
       <p:ext uri="{BB962C8B-B14F-4D97-AF65-F5344CB8AC3E}">
         <p14:creationId xmlns:p14="http://schemas.microsoft.com/office/powerpoint/2010/main" val="1745179803"/>
+      </p:ext>
+    </p:extLst>
+  </p:cSld>
+  <p:clrMapOvr>
+    <a:masterClrMapping/>
+  </p:clrMapOvr>
+</p:sld>
+</file>
+
+<file path=ppt/slides/slide5.xml><?xml version="1.0" encoding="utf-8"?>
+<p:sld xmlns:a="http://schemas.openxmlformats.org/drawingml/2006/main" xmlns:r="http://schemas.openxmlformats.org/officeDocument/2006/relationships" xmlns:p="http://schemas.openxmlformats.org/presentationml/2006/main">
+  <p:cSld>
+    <p:spTree>
+      <p:nvGrpSpPr>
+        <p:cNvPr id="1" name=""/>
+        <p:cNvGrpSpPr/>
+        <p:nvPr/>
+      </p:nvGrpSpPr>
+      <p:grpSpPr>
+        <a:xfrm>
+          <a:off x="0" y="0"/>
+          <a:ext cx="0" cy="0"/>
+          <a:chOff x="0" y="0"/>
+          <a:chExt cx="0" cy="0"/>
+        </a:xfrm>
+      </p:grpSpPr>
+      <p:sp>
+        <p:nvSpPr>
+          <p:cNvPr id="2" name="Título 1">
+            <a:extLst>
+              <a:ext uri="{FF2B5EF4-FFF2-40B4-BE49-F238E27FC236}">
+                <a16:creationId xmlns:a16="http://schemas.microsoft.com/office/drawing/2014/main" id="{52E41F3B-2D3B-D44F-623E-3819A1198D33}"/>
+              </a:ext>
+            </a:extLst>
+          </p:cNvPr>
+          <p:cNvSpPr>
+            <a:spLocks noGrp="1"/>
+          </p:cNvSpPr>
+          <p:nvPr>
+            <p:ph type="title"/>
+          </p:nvPr>
+        </p:nvSpPr>
+        <p:spPr>
+          <a:xfrm>
+            <a:off x="838200" y="253365"/>
+            <a:ext cx="10515600" cy="1325563"/>
+          </a:xfrm>
+        </p:spPr>
+        <p:txBody>
+          <a:bodyPr/>
+          <a:lstStyle/>
+          <a:p>
+            <a:r>
+              <a:rPr lang="pt-BR" dirty="0"/>
+              <a:t>Dicas para Usar o </a:t>
+            </a:r>
+            <a:r>
+              <a:rPr lang="pt-BR" dirty="0" err="1"/>
+              <a:t>KeyboardAvoidingView</a:t>
+            </a:r>
+            <a:r>
+              <a:rPr lang="pt-BR" dirty="0"/>
+              <a:t> de Forma Eficiente</a:t>
+            </a:r>
+          </a:p>
+        </p:txBody>
+      </p:sp>
+      <p:sp>
+        <p:nvSpPr>
+          <p:cNvPr id="3" name="Espaço Reservado para Conteúdo 2">
+            <a:extLst>
+              <a:ext uri="{FF2B5EF4-FFF2-40B4-BE49-F238E27FC236}">
+                <a16:creationId xmlns:a16="http://schemas.microsoft.com/office/drawing/2014/main" id="{4A1E7744-212D-79D7-7D79-EED0447A8E40}"/>
+              </a:ext>
+            </a:extLst>
+          </p:cNvPr>
+          <p:cNvSpPr>
+            <a:spLocks noGrp="1"/>
+          </p:cNvSpPr>
+          <p:nvPr>
+            <p:ph idx="1"/>
+          </p:nvPr>
+        </p:nvSpPr>
+        <p:spPr/>
+        <p:txBody>
+          <a:bodyPr>
+            <a:normAutofit fontScale="77500" lnSpcReduction="20000"/>
+          </a:bodyPr>
+          <a:lstStyle/>
+          <a:p>
+            <a:pPr algn="l">
+              <a:spcAft>
+                <a:spcPts val="300"/>
+              </a:spcAft>
+              <a:buFont typeface="+mj-lt"/>
+              <a:buAutoNum type="arabicPeriod"/>
+            </a:pPr>
+            <a:r>
+              <a:rPr lang="pt-BR" dirty="0"/>
+              <a:t>Escolha o Comportamento Certo:</a:t>
+            </a:r>
+          </a:p>
+          <a:p>
+            <a:pPr lvl="1">
+              <a:spcBef>
+                <a:spcPts val="300"/>
+              </a:spcBef>
+            </a:pPr>
+            <a:r>
+              <a:rPr lang="pt-BR" dirty="0"/>
+              <a:t>Use </a:t>
+            </a:r>
+            <a:r>
+              <a:rPr lang="pt-BR" b="1" dirty="0" err="1"/>
+              <a:t>behavior</a:t>
+            </a:r>
+            <a:r>
+              <a:rPr lang="pt-BR" b="1" dirty="0"/>
+              <a:t>="</a:t>
+            </a:r>
+            <a:r>
+              <a:rPr lang="pt-BR" b="1" dirty="0" err="1"/>
+              <a:t>padding</a:t>
+            </a:r>
+            <a:r>
+              <a:rPr lang="pt-BR" b="1" dirty="0"/>
+              <a:t>"</a:t>
+            </a:r>
+            <a:r>
+              <a:rPr lang="pt-BR" dirty="0"/>
+              <a:t> no iOS e </a:t>
+            </a:r>
+            <a:r>
+              <a:rPr lang="pt-BR" b="1" dirty="0" err="1"/>
+              <a:t>behavior</a:t>
+            </a:r>
+            <a:r>
+              <a:rPr lang="pt-BR" b="1" dirty="0"/>
+              <a:t>="</a:t>
+            </a:r>
+            <a:r>
+              <a:rPr lang="pt-BR" b="1" dirty="0" err="1"/>
+              <a:t>height</a:t>
+            </a:r>
+            <a:r>
+              <a:rPr lang="pt-BR" b="1" dirty="0"/>
+              <a:t>"</a:t>
+            </a:r>
+            <a:r>
+              <a:rPr lang="pt-BR" dirty="0"/>
+              <a:t> no Android.</a:t>
+            </a:r>
+          </a:p>
+          <a:p>
+            <a:pPr lvl="1">
+              <a:spcBef>
+                <a:spcPts val="300"/>
+              </a:spcBef>
+            </a:pPr>
+            <a:r>
+              <a:rPr lang="pt-BR" dirty="0"/>
+              <a:t>Teste em ambos os sistemas para garantir o comportamento esperado.</a:t>
+            </a:r>
+            <a:br>
+              <a:rPr lang="pt-BR" dirty="0"/>
+            </a:br>
+            <a:endParaRPr lang="pt-BR" dirty="0"/>
+          </a:p>
+          <a:p>
+            <a:pPr algn="l">
+              <a:spcBef>
+                <a:spcPts val="300"/>
+              </a:spcBef>
+              <a:spcAft>
+                <a:spcPts val="300"/>
+              </a:spcAft>
+              <a:buFont typeface="+mj-lt"/>
+              <a:buAutoNum type="arabicPeriod"/>
+            </a:pPr>
+            <a:r>
+              <a:rPr lang="pt-BR" dirty="0"/>
+              <a:t>Ajuste o </a:t>
+            </a:r>
+            <a:r>
+              <a:rPr lang="pt-BR" b="1" dirty="0" err="1"/>
+              <a:t>keyboardVerticalOffset</a:t>
+            </a:r>
+            <a:r>
+              <a:rPr lang="pt-BR" dirty="0"/>
+              <a:t>:</a:t>
+            </a:r>
+          </a:p>
+          <a:p>
+            <a:pPr lvl="1">
+              <a:spcBef>
+                <a:spcPts val="300"/>
+              </a:spcBef>
+            </a:pPr>
+            <a:r>
+              <a:rPr lang="pt-BR" dirty="0"/>
+              <a:t>Defina um valor adequado para </a:t>
+            </a:r>
+            <a:r>
+              <a:rPr lang="pt-BR" b="1" dirty="0" err="1"/>
+              <a:t>keyboardVerticalOffset</a:t>
+            </a:r>
+            <a:r>
+              <a:rPr lang="pt-BR" dirty="0"/>
+              <a:t> se houver elementos fixos como </a:t>
+            </a:r>
+            <a:r>
+              <a:rPr lang="pt-BR" dirty="0" err="1"/>
+              <a:t>headers</a:t>
+            </a:r>
+            <a:r>
+              <a:rPr lang="pt-BR" dirty="0"/>
+              <a:t> ou </a:t>
+            </a:r>
+            <a:r>
+              <a:rPr lang="pt-BR" dirty="0" err="1"/>
+              <a:t>tab</a:t>
+            </a:r>
+            <a:r>
+              <a:rPr lang="pt-BR" dirty="0"/>
+              <a:t> </a:t>
+            </a:r>
+            <a:r>
+              <a:rPr lang="pt-BR" dirty="0" err="1"/>
+              <a:t>bars</a:t>
+            </a:r>
+            <a:r>
+              <a:rPr lang="pt-BR" dirty="0"/>
+              <a:t>.</a:t>
+            </a:r>
+            <a:br>
+              <a:rPr lang="pt-BR" dirty="0"/>
+            </a:br>
+            <a:endParaRPr lang="pt-BR" dirty="0"/>
+          </a:p>
+          <a:p>
+            <a:pPr algn="l">
+              <a:spcBef>
+                <a:spcPts val="300"/>
+              </a:spcBef>
+              <a:spcAft>
+                <a:spcPts val="300"/>
+              </a:spcAft>
+              <a:buFont typeface="+mj-lt"/>
+              <a:buAutoNum type="arabicPeriod"/>
+            </a:pPr>
+            <a:r>
+              <a:rPr lang="pt-BR" dirty="0"/>
+              <a:t>Evite Aninhamento Excessivo:</a:t>
+            </a:r>
+          </a:p>
+          <a:p>
+            <a:pPr lvl="1">
+              <a:spcBef>
+                <a:spcPts val="300"/>
+              </a:spcBef>
+            </a:pPr>
+            <a:r>
+              <a:rPr lang="pt-BR" dirty="0"/>
+              <a:t>Envolva apenas os elementos necessários para evitar problemas de layout.</a:t>
+            </a:r>
+            <a:br>
+              <a:rPr lang="pt-BR" dirty="0"/>
+            </a:br>
+            <a:endParaRPr lang="pt-BR" dirty="0"/>
+          </a:p>
+          <a:p>
+            <a:pPr algn="l">
+              <a:spcBef>
+                <a:spcPts val="300"/>
+              </a:spcBef>
+              <a:spcAft>
+                <a:spcPts val="300"/>
+              </a:spcAft>
+              <a:buFont typeface="+mj-lt"/>
+              <a:buAutoNum type="arabicPeriod"/>
+            </a:pPr>
+            <a:r>
+              <a:rPr lang="pt-BR" dirty="0"/>
+              <a:t>Teste em Diferentes Dispositivos:</a:t>
+            </a:r>
+          </a:p>
+          <a:p>
+            <a:pPr lvl="1">
+              <a:spcBef>
+                <a:spcPts val="300"/>
+              </a:spcBef>
+            </a:pPr>
+            <a:r>
+              <a:rPr lang="pt-BR" dirty="0"/>
+              <a:t>Verifique o comportamento em dispositivos com telas pequenas e grandes.</a:t>
+            </a:r>
+            <a:br>
+              <a:rPr lang="pt-BR" dirty="0"/>
+            </a:br>
+            <a:endParaRPr lang="pt-BR" dirty="0"/>
+          </a:p>
+          <a:p>
+            <a:pPr algn="l">
+              <a:spcBef>
+                <a:spcPts val="300"/>
+              </a:spcBef>
+              <a:spcAft>
+                <a:spcPts val="300"/>
+              </a:spcAft>
+              <a:buFont typeface="+mj-lt"/>
+              <a:buAutoNum type="arabicPeriod"/>
+            </a:pPr>
+            <a:r>
+              <a:rPr lang="pt-BR" dirty="0"/>
+              <a:t>Use em Conjunto com </a:t>
+            </a:r>
+            <a:r>
+              <a:rPr lang="pt-BR" dirty="0" err="1"/>
+              <a:t>ScrollView</a:t>
+            </a:r>
+            <a:r>
+              <a:rPr lang="pt-BR" dirty="0"/>
+              <a:t>:</a:t>
+            </a:r>
+          </a:p>
+          <a:p>
+            <a:pPr lvl="1">
+              <a:spcBef>
+                <a:spcPts val="300"/>
+              </a:spcBef>
+            </a:pPr>
+            <a:r>
+              <a:rPr lang="pt-BR" dirty="0"/>
+              <a:t>Para formulários longos, combine </a:t>
+            </a:r>
+            <a:r>
+              <a:rPr lang="pt-BR" b="1" dirty="0" err="1"/>
+              <a:t>KeyboardAvoidingView</a:t>
+            </a:r>
+            <a:r>
+              <a:rPr lang="pt-BR" dirty="0"/>
+              <a:t> com </a:t>
+            </a:r>
+            <a:r>
+              <a:rPr lang="pt-BR" b="1" dirty="0" err="1"/>
+              <a:t>ScrollView</a:t>
+            </a:r>
+            <a:r>
+              <a:rPr lang="pt-BR" dirty="0"/>
+              <a:t> para garantir que todos os campos sejam acessíveis.</a:t>
+            </a:r>
+          </a:p>
+          <a:p>
+            <a:endParaRPr lang="pt-BR" dirty="0"/>
+          </a:p>
+        </p:txBody>
+      </p:sp>
+    </p:spTree>
+    <p:extLst>
+      <p:ext uri="{BB962C8B-B14F-4D97-AF65-F5344CB8AC3E}">
+        <p14:creationId xmlns:p14="http://schemas.microsoft.com/office/powerpoint/2010/main" val="2415144761"/>
+      </p:ext>
+    </p:extLst>
+  </p:cSld>
+  <p:clrMapOvr>
+    <a:masterClrMapping/>
+  </p:clrMapOvr>
+</p:sld>
+</file>
+
+<file path=ppt/slides/slide6.xml><?xml version="1.0" encoding="utf-8"?>
+<p:sld xmlns:a="http://schemas.openxmlformats.org/drawingml/2006/main" xmlns:r="http://schemas.openxmlformats.org/officeDocument/2006/relationships" xmlns:p="http://schemas.openxmlformats.org/presentationml/2006/main">
+  <p:cSld>
+    <p:spTree>
+      <p:nvGrpSpPr>
+        <p:cNvPr id="1" name=""/>
+        <p:cNvGrpSpPr/>
+        <p:nvPr/>
+      </p:nvGrpSpPr>
+      <p:grpSpPr>
+        <a:xfrm>
+          <a:off x="0" y="0"/>
+          <a:ext cx="0" cy="0"/>
+          <a:chOff x="0" y="0"/>
+          <a:chExt cx="0" cy="0"/>
+        </a:xfrm>
+      </p:grpSpPr>
+      <p:sp>
+        <p:nvSpPr>
+          <p:cNvPr id="2" name="Título 1">
+            <a:extLst>
+              <a:ext uri="{FF2B5EF4-FFF2-40B4-BE49-F238E27FC236}">
+                <a16:creationId xmlns:a16="http://schemas.microsoft.com/office/drawing/2014/main" id="{3409AD17-63B5-60AA-99E3-0F64173F51C1}"/>
+              </a:ext>
+            </a:extLst>
+          </p:cNvPr>
+          <p:cNvSpPr>
+            <a:spLocks noGrp="1"/>
+          </p:cNvSpPr>
+          <p:nvPr>
+            <p:ph type="title"/>
+          </p:nvPr>
+        </p:nvSpPr>
+        <p:spPr/>
+        <p:txBody>
+          <a:bodyPr/>
+          <a:lstStyle/>
+          <a:p>
+            <a:r>
+              <a:rPr lang="pt-BR" dirty="0"/>
+              <a:t>Outras Opções para Lidar com o Teclado</a:t>
+            </a:r>
+          </a:p>
+        </p:txBody>
+      </p:sp>
+      <p:sp>
+        <p:nvSpPr>
+          <p:cNvPr id="3" name="Espaço Reservado para Conteúdo 2">
+            <a:extLst>
+              <a:ext uri="{FF2B5EF4-FFF2-40B4-BE49-F238E27FC236}">
+                <a16:creationId xmlns:a16="http://schemas.microsoft.com/office/drawing/2014/main" id="{63D3FDA7-C3B2-5BF7-E799-C7AA9153E6AA}"/>
+              </a:ext>
+            </a:extLst>
+          </p:cNvPr>
+          <p:cNvSpPr>
+            <a:spLocks noGrp="1"/>
+          </p:cNvSpPr>
+          <p:nvPr>
+            <p:ph idx="1"/>
+          </p:nvPr>
+        </p:nvSpPr>
+        <p:spPr/>
+        <p:txBody>
+          <a:bodyPr>
+            <a:normAutofit fontScale="92500" lnSpcReduction="10000"/>
+          </a:bodyPr>
+          <a:lstStyle/>
+          <a:p>
+            <a:pPr algn="l">
+              <a:spcAft>
+                <a:spcPts val="300"/>
+              </a:spcAft>
+              <a:buFont typeface="+mj-lt"/>
+              <a:buAutoNum type="arabicPeriod"/>
+            </a:pPr>
+            <a:r>
+              <a:rPr lang="pt-BR" dirty="0" err="1"/>
+              <a:t>React</a:t>
+            </a:r>
+            <a:r>
+              <a:rPr lang="pt-BR" dirty="0"/>
+              <a:t> </a:t>
+            </a:r>
+            <a:r>
+              <a:rPr lang="pt-BR" dirty="0" err="1"/>
+              <a:t>Native</a:t>
+            </a:r>
+            <a:r>
+              <a:rPr lang="pt-BR" dirty="0"/>
+              <a:t> Keyboard </a:t>
+            </a:r>
+            <a:r>
+              <a:rPr lang="pt-BR" dirty="0" err="1"/>
+              <a:t>Aware</a:t>
+            </a:r>
+            <a:r>
+              <a:rPr lang="pt-BR" dirty="0"/>
+              <a:t> </a:t>
+            </a:r>
+            <a:r>
+              <a:rPr lang="pt-BR" dirty="0" err="1"/>
+              <a:t>ScrollView</a:t>
+            </a:r>
+            <a:r>
+              <a:rPr lang="pt-BR" dirty="0"/>
+              <a:t>:</a:t>
+            </a:r>
+          </a:p>
+          <a:p>
+            <a:pPr lvl="1">
+              <a:spcBef>
+                <a:spcPts val="300"/>
+              </a:spcBef>
+            </a:pPr>
+            <a:r>
+              <a:rPr lang="pt-BR" dirty="0"/>
+              <a:t>Biblioteca popular que combina </a:t>
+            </a:r>
+            <a:r>
+              <a:rPr lang="pt-BR" b="1" dirty="0" err="1"/>
+              <a:t>ScrollView</a:t>
+            </a:r>
+            <a:r>
+              <a:rPr lang="pt-BR" dirty="0"/>
+              <a:t> com ajustes automáticos para o teclado.</a:t>
+            </a:r>
+          </a:p>
+          <a:p>
+            <a:pPr lvl="1">
+              <a:spcBef>
+                <a:spcPts val="300"/>
+              </a:spcBef>
+            </a:pPr>
+            <a:r>
+              <a:rPr lang="pt-BR" dirty="0"/>
+              <a:t>Exemplo de biblioteca: </a:t>
+            </a:r>
+            <a:r>
+              <a:rPr lang="pt-BR" b="1" dirty="0" err="1"/>
+              <a:t>react</a:t>
+            </a:r>
+            <a:r>
+              <a:rPr lang="pt-BR" b="1" dirty="0"/>
+              <a:t>-</a:t>
+            </a:r>
+            <a:r>
+              <a:rPr lang="pt-BR" b="1" dirty="0" err="1"/>
+              <a:t>native</a:t>
+            </a:r>
+            <a:r>
+              <a:rPr lang="pt-BR" b="1" dirty="0"/>
+              <a:t>-keyboard-</a:t>
+            </a:r>
+            <a:r>
+              <a:rPr lang="pt-BR" b="1" dirty="0" err="1"/>
+              <a:t>aware</a:t>
+            </a:r>
+            <a:r>
+              <a:rPr lang="pt-BR" b="1" dirty="0"/>
+              <a:t>-scroll-</a:t>
+            </a:r>
+            <a:r>
+              <a:rPr lang="pt-BR" b="1" dirty="0" err="1"/>
+              <a:t>view</a:t>
+            </a:r>
+            <a:r>
+              <a:rPr lang="pt-BR" dirty="0"/>
+              <a:t>.</a:t>
+            </a:r>
+            <a:br>
+              <a:rPr lang="pt-BR" dirty="0"/>
+            </a:br>
+            <a:endParaRPr lang="pt-BR" dirty="0"/>
+          </a:p>
+          <a:p>
+            <a:pPr algn="l">
+              <a:spcBef>
+                <a:spcPts val="300"/>
+              </a:spcBef>
+              <a:spcAft>
+                <a:spcPts val="300"/>
+              </a:spcAft>
+              <a:buFont typeface="+mj-lt"/>
+              <a:buAutoNum type="arabicPeriod"/>
+            </a:pPr>
+            <a:r>
+              <a:rPr lang="pt-BR" dirty="0"/>
+              <a:t>Keyboard Module (Expo):</a:t>
+            </a:r>
+          </a:p>
+          <a:p>
+            <a:pPr lvl="1">
+              <a:spcBef>
+                <a:spcPts val="300"/>
+              </a:spcBef>
+            </a:pPr>
+            <a:r>
+              <a:rPr lang="pt-BR" dirty="0"/>
+              <a:t>Oferece controle programático sobre o teclado, como ocultá-lo ou ajustar a interface.</a:t>
+            </a:r>
+          </a:p>
+          <a:p>
+            <a:pPr lvl="1">
+              <a:spcBef>
+                <a:spcPts val="300"/>
+              </a:spcBef>
+            </a:pPr>
+            <a:r>
+              <a:rPr lang="pt-BR" dirty="0"/>
+              <a:t>Exemplo: </a:t>
+            </a:r>
+            <a:r>
+              <a:rPr lang="pt-BR" b="1" dirty="0" err="1"/>
+              <a:t>Keyboard.dismiss</a:t>
+            </a:r>
+            <a:r>
+              <a:rPr lang="pt-BR" b="1" dirty="0"/>
+              <a:t>() </a:t>
+            </a:r>
+            <a:r>
+              <a:rPr lang="pt-BR" dirty="0"/>
+              <a:t>ou </a:t>
+            </a:r>
+            <a:r>
+              <a:rPr lang="pt-BR" b="1" dirty="0" err="1"/>
+              <a:t>Keyboard.addListener</a:t>
+            </a:r>
+            <a:r>
+              <a:rPr lang="pt-BR" dirty="0"/>
+              <a:t>.</a:t>
+            </a:r>
+            <a:br>
+              <a:rPr lang="pt-BR" dirty="0"/>
+            </a:br>
+            <a:endParaRPr lang="pt-BR" dirty="0"/>
+          </a:p>
+          <a:p>
+            <a:pPr algn="l">
+              <a:spcBef>
+                <a:spcPts val="300"/>
+              </a:spcBef>
+              <a:spcAft>
+                <a:spcPts val="300"/>
+              </a:spcAft>
+              <a:buFont typeface="+mj-lt"/>
+              <a:buAutoNum type="arabicPeriod"/>
+            </a:pPr>
+            <a:r>
+              <a:rPr lang="pt-BR" dirty="0"/>
+              <a:t>Layout </a:t>
+            </a:r>
+            <a:r>
+              <a:rPr lang="pt-BR" dirty="0" err="1"/>
+              <a:t>Animations</a:t>
+            </a:r>
+            <a:r>
+              <a:rPr lang="pt-BR" dirty="0"/>
+              <a:t>:</a:t>
+            </a:r>
+          </a:p>
+          <a:p>
+            <a:pPr lvl="1">
+              <a:spcBef>
+                <a:spcPts val="300"/>
+              </a:spcBef>
+            </a:pPr>
+            <a:r>
+              <a:rPr lang="pt-BR" dirty="0"/>
+              <a:t>Use animações de layout para reposicionar elementos manualmente quando o teclado é exibido</a:t>
+            </a:r>
+          </a:p>
+          <a:p>
+            <a:endParaRPr lang="pt-BR" dirty="0"/>
+          </a:p>
+        </p:txBody>
+      </p:sp>
+    </p:spTree>
+    <p:extLst>
+      <p:ext uri="{BB962C8B-B14F-4D97-AF65-F5344CB8AC3E}">
+        <p14:creationId xmlns:p14="http://schemas.microsoft.com/office/powerpoint/2010/main" val="828612234"/>
+      </p:ext>
+    </p:extLst>
+  </p:cSld>
+  <p:clrMapOvr>
+    <a:masterClrMapping/>
+  </p:clrMapOvr>
+</p:sld>
+</file>
+
+<file path=ppt/slides/slide7.xml><?xml version="1.0" encoding="utf-8"?>
+<p:sld xmlns:a="http://schemas.openxmlformats.org/drawingml/2006/main" xmlns:r="http://schemas.openxmlformats.org/officeDocument/2006/relationships" xmlns:p="http://schemas.openxmlformats.org/presentationml/2006/main">
+  <p:cSld>
+    <p:spTree>
+      <p:nvGrpSpPr>
+        <p:cNvPr id="1" name=""/>
+        <p:cNvGrpSpPr/>
+        <p:nvPr/>
+      </p:nvGrpSpPr>
+      <p:grpSpPr>
+        <a:xfrm>
+          <a:off x="0" y="0"/>
+          <a:ext cx="0" cy="0"/>
+          <a:chOff x="0" y="0"/>
+          <a:chExt cx="0" cy="0"/>
+        </a:xfrm>
+      </p:grpSpPr>
+      <p:sp>
+        <p:nvSpPr>
+          <p:cNvPr id="2" name="Título 1">
+            <a:extLst>
+              <a:ext uri="{FF2B5EF4-FFF2-40B4-BE49-F238E27FC236}">
+                <a16:creationId xmlns:a16="http://schemas.microsoft.com/office/drawing/2014/main" id="{AD088BED-0C15-59A8-54B8-994232564B87}"/>
+              </a:ext>
+            </a:extLst>
+          </p:cNvPr>
+          <p:cNvSpPr>
+            <a:spLocks noGrp="1"/>
+          </p:cNvSpPr>
+          <p:nvPr>
+            <p:ph type="title"/>
+          </p:nvPr>
+        </p:nvSpPr>
+        <p:spPr/>
+        <p:txBody>
+          <a:bodyPr/>
+          <a:lstStyle/>
+          <a:p>
+            <a:r>
+              <a:rPr lang="pt-BR" dirty="0"/>
+              <a:t>Resumo sobre o </a:t>
+            </a:r>
+            <a:r>
+              <a:rPr lang="pt-BR" dirty="0" err="1"/>
+              <a:t>KeyboardAvoidingView</a:t>
+            </a:r>
+            <a:endParaRPr lang="pt-BR" dirty="0"/>
+          </a:p>
+        </p:txBody>
+      </p:sp>
+      <p:sp>
+        <p:nvSpPr>
+          <p:cNvPr id="3" name="Espaço Reservado para Conteúdo 2">
+            <a:extLst>
+              <a:ext uri="{FF2B5EF4-FFF2-40B4-BE49-F238E27FC236}">
+                <a16:creationId xmlns:a16="http://schemas.microsoft.com/office/drawing/2014/main" id="{2616715B-EBB6-393B-FE8E-826E980DFDBF}"/>
+              </a:ext>
+            </a:extLst>
+          </p:cNvPr>
+          <p:cNvSpPr>
+            <a:spLocks noGrp="1"/>
+          </p:cNvSpPr>
+          <p:nvPr>
+            <p:ph idx="1"/>
+          </p:nvPr>
+        </p:nvSpPr>
+        <p:spPr/>
+        <p:txBody>
+          <a:bodyPr>
+            <a:normAutofit fontScale="92500" lnSpcReduction="20000"/>
+          </a:bodyPr>
+          <a:lstStyle/>
+          <a:p>
+            <a:pPr algn="l">
+              <a:buFont typeface="Arial" panose="020B0604020202020204" pitchFamily="34" charset="0"/>
+              <a:buChar char="•"/>
+            </a:pPr>
+            <a:r>
+              <a:rPr lang="pt-BR" dirty="0"/>
+              <a:t>Importância:</a:t>
+            </a:r>
+            <a:br>
+              <a:rPr lang="pt-BR" dirty="0"/>
+            </a:br>
+            <a:r>
+              <a:rPr lang="pt-BR" dirty="0"/>
+              <a:t>Fundamental para melhorar a experiência do usuário em formulários e telas com campos de texto.</a:t>
+            </a:r>
+            <a:br>
+              <a:rPr lang="pt-BR" dirty="0"/>
+            </a:br>
+            <a:endParaRPr lang="pt-BR" dirty="0"/>
+          </a:p>
+          <a:p>
+            <a:pPr algn="l">
+              <a:spcBef>
+                <a:spcPts val="300"/>
+              </a:spcBef>
+              <a:buFont typeface="Arial" panose="020B0604020202020204" pitchFamily="34" charset="0"/>
+              <a:buChar char="•"/>
+            </a:pPr>
+            <a:r>
+              <a:rPr lang="pt-BR" dirty="0"/>
+              <a:t>Flexibilidade:</a:t>
+            </a:r>
+            <a:br>
+              <a:rPr lang="pt-BR" dirty="0"/>
+            </a:br>
+            <a:r>
+              <a:rPr lang="pt-BR" dirty="0"/>
+              <a:t>Oferece ajustes automáticos para evitar que o teclado cubra elementos importantes.</a:t>
+            </a:r>
+            <a:br>
+              <a:rPr lang="pt-BR" dirty="0"/>
+            </a:br>
+            <a:endParaRPr lang="pt-BR" dirty="0"/>
+          </a:p>
+          <a:p>
+            <a:pPr algn="l">
+              <a:spcBef>
+                <a:spcPts val="300"/>
+              </a:spcBef>
+              <a:buFont typeface="Arial" panose="020B0604020202020204" pitchFamily="34" charset="0"/>
+              <a:buChar char="•"/>
+            </a:pPr>
+            <a:r>
+              <a:rPr lang="pt-BR" dirty="0"/>
+              <a:t>Próximos Passos:</a:t>
+            </a:r>
+            <a:br>
+              <a:rPr lang="pt-BR" dirty="0"/>
+            </a:br>
+            <a:r>
+              <a:rPr lang="pt-BR" dirty="0"/>
+              <a:t>Explore bibliotecas como </a:t>
+            </a:r>
+            <a:r>
+              <a:rPr lang="pt-BR" b="1" dirty="0" err="1"/>
+              <a:t>react</a:t>
+            </a:r>
+            <a:r>
+              <a:rPr lang="pt-BR" b="1" dirty="0"/>
+              <a:t>-</a:t>
+            </a:r>
+            <a:r>
+              <a:rPr lang="pt-BR" b="1" dirty="0" err="1"/>
+              <a:t>native</a:t>
+            </a:r>
+            <a:r>
+              <a:rPr lang="pt-BR" b="1" dirty="0"/>
+              <a:t>-keyboard-</a:t>
+            </a:r>
+            <a:r>
+              <a:rPr lang="pt-BR" b="1" dirty="0" err="1"/>
+              <a:t>aware</a:t>
+            </a:r>
+            <a:r>
+              <a:rPr lang="pt-BR" b="1" dirty="0"/>
+              <a:t>-scroll-</a:t>
+            </a:r>
+            <a:r>
+              <a:rPr lang="pt-BR" b="1" dirty="0" err="1"/>
+              <a:t>view</a:t>
+            </a:r>
+            <a:r>
+              <a:rPr lang="pt-BR" dirty="0"/>
+              <a:t> para casos de uso mais complexos.</a:t>
+            </a:r>
+          </a:p>
+          <a:p>
+            <a:pPr>
+              <a:buNone/>
+            </a:pPr>
+            <a:br>
+              <a:rPr lang="pt-BR" dirty="0"/>
+            </a:br>
+            <a:endParaRPr lang="pt-BR" dirty="0"/>
+          </a:p>
+        </p:txBody>
+      </p:sp>
+    </p:spTree>
+    <p:extLst>
+      <p:ext uri="{BB962C8B-B14F-4D97-AF65-F5344CB8AC3E}">
+        <p14:creationId xmlns:p14="http://schemas.microsoft.com/office/powerpoint/2010/main" val="3628718240"/>
       </p:ext>
     </p:extLst>
   </p:cSld>
